--- a/PRESENTATION/Menu Navigation_mid_presentation_ver_6.pptx
+++ b/PRESENTATION/Menu Navigation_mid_presentation_ver_6.pptx
@@ -5,7 +5,7 @@
     <p:sldMasterId id="2147483678" r:id="rId1"/>
   </p:sldMasterIdLst>
   <p:notesMasterIdLst>
-    <p:notesMasterId r:id="rId27"/>
+    <p:notesMasterId r:id="rId29"/>
   </p:notesMasterIdLst>
   <p:sldIdLst>
     <p:sldId id="257" r:id="rId2"/>
@@ -28,11 +28,13 @@
     <p:sldId id="278" r:id="rId19"/>
     <p:sldId id="284" r:id="rId20"/>
     <p:sldId id="266" r:id="rId21"/>
-    <p:sldId id="283" r:id="rId22"/>
-    <p:sldId id="268" r:id="rId23"/>
-    <p:sldId id="289" r:id="rId24"/>
-    <p:sldId id="290" r:id="rId25"/>
-    <p:sldId id="277" r:id="rId26"/>
+    <p:sldId id="291" r:id="rId22"/>
+    <p:sldId id="292" r:id="rId23"/>
+    <p:sldId id="283" r:id="rId24"/>
+    <p:sldId id="268" r:id="rId25"/>
+    <p:sldId id="289" r:id="rId26"/>
+    <p:sldId id="290" r:id="rId27"/>
+    <p:sldId id="277" r:id="rId28"/>
   </p:sldIdLst>
   <p:sldSz cx="12192000" cy="6858000"/>
   <p:notesSz cx="6858000" cy="9144000"/>
@@ -903,7 +905,7 @@
           <a:p>
             <a:fld id="{ACF21380-F8A4-4B08-BF97-A6D45C062BA7}" type="slidenum">
               <a:rPr lang="he-IL" smtClean="0"/>
-              <a:t>21</a:t>
+              <a:t>23</a:t>
             </a:fld>
             <a:endParaRPr lang="he-IL"/>
           </a:p>
@@ -987,7 +989,7 @@
           <a:p>
             <a:fld id="{ACF21380-F8A4-4B08-BF97-A6D45C062BA7}" type="slidenum">
               <a:rPr lang="he-IL" smtClean="0"/>
-              <a:t>25</a:t>
+              <a:t>27</a:t>
             </a:fld>
             <a:endParaRPr lang="he-IL"/>
           </a:p>
@@ -15494,7 +15496,7 @@
           <a:graphicData uri="http://schemas.openxmlformats.org/presentationml/2006/ole">
             <mc:AlternateContent xmlns:mc="http://schemas.openxmlformats.org/markup-compatibility/2006">
               <mc:Choice xmlns:v="urn:schemas-microsoft-com:vml" Requires="v">
-                <p:oleObj spid="_x0000_s4402" name="Equation" r:id="rId5" imgW="710891" imgH="177723" progId="Equation.DSMT4">
+                <p:oleObj spid="_x0000_s4404" name="Equation" r:id="rId5" imgW="710891" imgH="177723" progId="Equation.DSMT4">
                   <p:embed/>
                 </p:oleObj>
               </mc:Choice>
@@ -15561,7 +15563,7 @@
           <a:graphicData uri="http://schemas.openxmlformats.org/presentationml/2006/ole">
             <mc:AlternateContent xmlns:mc="http://schemas.openxmlformats.org/markup-compatibility/2006">
               <mc:Choice xmlns:v="urn:schemas-microsoft-com:vml" Requires="v">
-                <p:oleObj spid="_x0000_s4403" name="Equation" r:id="rId7" imgW="672516" imgH="177646" progId="Equation.DSMT4">
+                <p:oleObj spid="_x0000_s4405" name="Equation" r:id="rId7" imgW="672516" imgH="177646" progId="Equation.DSMT4">
                   <p:embed/>
                 </p:oleObj>
               </mc:Choice>
@@ -18700,6 +18702,626 @@
           <a:chExt cx="0" cy="0"/>
         </a:xfrm>
       </p:grpSpPr>
+      <p:pic>
+        <p:nvPicPr>
+          <p:cNvPr id="4" name="תמונה 3"/>
+          <p:cNvPicPr>
+            <a:picLocks noChangeAspect="1"/>
+          </p:cNvPicPr>
+          <p:nvPr/>
+        </p:nvPicPr>
+        <p:blipFill>
+          <a:blip r:embed="rId2">
+            <a:extLst>
+              <a:ext uri="{28A0092B-C50C-407E-A947-70E740481C1C}">
+                <a14:useLocalDpi xmlns:a14="http://schemas.microsoft.com/office/drawing/2010/main" val="0"/>
+              </a:ext>
+            </a:extLst>
+          </a:blip>
+          <a:stretch>
+            <a:fillRect/>
+          </a:stretch>
+        </p:blipFill>
+        <p:spPr>
+          <a:xfrm>
+            <a:off x="2379600" y="2732400"/>
+            <a:ext cx="4821308" cy="2222111"/>
+          </a:xfrm>
+          <a:prstGeom prst="rect">
+            <a:avLst/>
+          </a:prstGeom>
+        </p:spPr>
+      </p:pic>
+      <p:sp>
+        <p:nvSpPr>
+          <p:cNvPr id="5" name="מלבן 4"/>
+          <p:cNvSpPr/>
+          <p:nvPr/>
+        </p:nvSpPr>
+        <p:spPr>
+          <a:xfrm>
+            <a:off x="504000" y="798334"/>
+            <a:ext cx="4142481" cy="461665"/>
+          </a:xfrm>
+          <a:prstGeom prst="rect">
+            <a:avLst/>
+          </a:prstGeom>
+        </p:spPr>
+        <p:txBody>
+          <a:bodyPr wrap="none">
+            <a:spAutoFit/>
+          </a:bodyPr>
+          <a:lstStyle/>
+          <a:p>
+            <a:pPr algn="l" rtl="0"/>
+            <a:r>
+              <a:rPr lang="en-US" sz="2400" b="1" dirty="0" smtClean="0">
+                <a:solidFill>
+                  <a:schemeClr val="accent1"/>
+                </a:solidFill>
+                <a:latin typeface="Times New Roman" panose="02020603050405020304" pitchFamily="18" charset="0"/>
+                <a:cs typeface="Times New Roman" panose="02020603050405020304" pitchFamily="18" charset="0"/>
+              </a:rPr>
+              <a:t>7.6	</a:t>
+            </a:r>
+            <a:r>
+              <a:rPr lang="en-US" sz="2400" b="1" dirty="0" smtClean="0">
+                <a:solidFill>
+                  <a:schemeClr val="accent1"/>
+                </a:solidFill>
+                <a:latin typeface="Times New Roman" panose="02020603050405020304" pitchFamily="18" charset="0"/>
+                <a:cs typeface="Times New Roman" panose="02020603050405020304" pitchFamily="18" charset="0"/>
+              </a:rPr>
+              <a:t>x_y_location_top </a:t>
+            </a:r>
+            <a:r>
+              <a:rPr lang="en-US" sz="2400" b="1" dirty="0" smtClean="0">
+                <a:solidFill>
+                  <a:schemeClr val="accent1"/>
+                </a:solidFill>
+                <a:latin typeface="Times New Roman" panose="02020603050405020304" pitchFamily="18" charset="0"/>
+                <a:cs typeface="Times New Roman" panose="02020603050405020304" pitchFamily="18" charset="0"/>
+              </a:rPr>
+              <a:t>block</a:t>
+            </a:r>
+            <a:endParaRPr lang="he-IL" sz="2400" dirty="0">
+              <a:solidFill>
+                <a:schemeClr val="accent1"/>
+              </a:solidFill>
+            </a:endParaRPr>
+          </a:p>
+        </p:txBody>
+      </p:sp>
+      <p:sp>
+        <p:nvSpPr>
+          <p:cNvPr id="6" name="מלבן 5"/>
+          <p:cNvSpPr/>
+          <p:nvPr/>
+        </p:nvSpPr>
+        <p:spPr>
+          <a:xfrm>
+            <a:off x="3190553" y="4954511"/>
+            <a:ext cx="3199402" cy="338554"/>
+          </a:xfrm>
+          <a:prstGeom prst="rect">
+            <a:avLst/>
+          </a:prstGeom>
+        </p:spPr>
+        <p:txBody>
+          <a:bodyPr wrap="none">
+            <a:spAutoFit/>
+          </a:bodyPr>
+          <a:lstStyle/>
+          <a:p>
+            <a:pPr algn="ctr" rtl="0">
+              <a:spcAft>
+                <a:spcPts val="1000"/>
+              </a:spcAft>
+            </a:pPr>
+            <a:r>
+              <a:rPr lang="en-US" sz="1600" b="1" dirty="0">
+                <a:solidFill>
+                  <a:schemeClr val="accent1"/>
+                </a:solidFill>
+                <a:latin typeface="Times New Roman" panose="02020603050405020304" pitchFamily="18" charset="0"/>
+                <a:ea typeface="Times New Roman" panose="02020603050405020304" pitchFamily="18" charset="0"/>
+                <a:cs typeface="Arial" panose="020B0604020202020204" pitchFamily="34" charset="0"/>
+              </a:rPr>
+              <a:t>Figure </a:t>
+            </a:r>
+            <a:r>
+              <a:rPr lang="en-US" sz="1600" b="1" dirty="0" smtClean="0">
+                <a:solidFill>
+                  <a:schemeClr val="accent1"/>
+                </a:solidFill>
+                <a:latin typeface="Times New Roman" panose="02020603050405020304" pitchFamily="18" charset="0"/>
+                <a:ea typeface="Times New Roman" panose="02020603050405020304" pitchFamily="18" charset="0"/>
+                <a:cs typeface="Arial" panose="020B0604020202020204" pitchFamily="34" charset="0"/>
+              </a:rPr>
+              <a:t>12 </a:t>
+            </a:r>
+            <a:r>
+              <a:rPr lang="en-US" sz="1600" b="1" dirty="0" smtClean="0">
+                <a:solidFill>
+                  <a:schemeClr val="accent1"/>
+                </a:solidFill>
+                <a:latin typeface="Times New Roman" panose="02020603050405020304" pitchFamily="18" charset="0"/>
+                <a:ea typeface="Times New Roman" panose="02020603050405020304" pitchFamily="18" charset="0"/>
+                <a:cs typeface="Arial" panose="020B0604020202020204" pitchFamily="34" charset="0"/>
+              </a:rPr>
+              <a:t>–</a:t>
+            </a:r>
+            <a:r>
+              <a:rPr lang="en-US" sz="1600" b="1" dirty="0" smtClean="0">
+                <a:solidFill>
+                  <a:schemeClr val="accent1"/>
+                </a:solidFill>
+                <a:latin typeface="Times New Roman" panose="02020603050405020304" pitchFamily="18" charset="0"/>
+                <a:ea typeface="Times New Roman" panose="02020603050405020304" pitchFamily="18" charset="0"/>
+                <a:cs typeface="Arial" panose="020B0604020202020204" pitchFamily="34" charset="0"/>
+              </a:rPr>
+              <a:t>x_y_l</a:t>
+            </a:r>
+            <a:r>
+              <a:rPr lang="en-US" sz="1600" b="1" dirty="0" smtClean="0">
+                <a:solidFill>
+                  <a:schemeClr val="accent1"/>
+                </a:solidFill>
+                <a:latin typeface="Times New Roman" panose="02020603050405020304" pitchFamily="18" charset="0"/>
+                <a:ea typeface="Times New Roman" panose="02020603050405020304" pitchFamily="18" charset="0"/>
+                <a:cs typeface="Arial" panose="020B0604020202020204" pitchFamily="34" charset="0"/>
+              </a:rPr>
+              <a:t>ocation_top block</a:t>
+            </a:r>
+            <a:endParaRPr lang="en-US" sz="1600" b="1" dirty="0">
+              <a:solidFill>
+                <a:schemeClr val="accent1"/>
+              </a:solidFill>
+              <a:effectLst/>
+              <a:latin typeface="Times New Roman" panose="02020603050405020304" pitchFamily="18" charset="0"/>
+              <a:ea typeface="Times New Roman" panose="02020603050405020304" pitchFamily="18" charset="0"/>
+              <a:cs typeface="Arial" panose="020B0604020202020204" pitchFamily="34" charset="0"/>
+            </a:endParaRPr>
+          </a:p>
+        </p:txBody>
+      </p:sp>
+    </p:spTree>
+    <p:extLst>
+      <p:ext uri="{BB962C8B-B14F-4D97-AF65-F5344CB8AC3E}">
+        <p14:creationId xmlns:p14="http://schemas.microsoft.com/office/powerpoint/2010/main" val="1142210798"/>
+      </p:ext>
+    </p:extLst>
+  </p:cSld>
+  <p:clrMapOvr>
+    <a:masterClrMapping/>
+  </p:clrMapOvr>
+  <p:timing>
+    <p:tnLst>
+      <p:par>
+        <p:cTn id="1" dur="indefinite" restart="never" nodeType="tmRoot"/>
+      </p:par>
+    </p:tnLst>
+  </p:timing>
+</p:sld>
+</file>
+
+<file path=ppt/slides/slide22.xml><?xml version="1.0" encoding="utf-8"?>
+<p:sld xmlns:a="http://schemas.openxmlformats.org/drawingml/2006/main" xmlns:r="http://schemas.openxmlformats.org/officeDocument/2006/relationships" xmlns:p="http://schemas.openxmlformats.org/presentationml/2006/main">
+  <p:cSld>
+    <p:spTree>
+      <p:nvGrpSpPr>
+        <p:cNvPr id="1" name=""/>
+        <p:cNvGrpSpPr/>
+        <p:nvPr/>
+      </p:nvGrpSpPr>
+      <p:grpSpPr>
+        <a:xfrm>
+          <a:off x="0" y="0"/>
+          <a:ext cx="0" cy="0"/>
+          <a:chOff x="0" y="0"/>
+          <a:chExt cx="0" cy="0"/>
+        </a:xfrm>
+      </p:grpSpPr>
+      <p:sp>
+        <p:nvSpPr>
+          <p:cNvPr id="4" name="מלבן 3"/>
+          <p:cNvSpPr/>
+          <p:nvPr/>
+        </p:nvSpPr>
+        <p:spPr>
+          <a:xfrm>
+            <a:off x="522580" y="900000"/>
+            <a:ext cx="8069330" cy="461665"/>
+          </a:xfrm>
+          <a:prstGeom prst="rect">
+            <a:avLst/>
+          </a:prstGeom>
+        </p:spPr>
+        <p:txBody>
+          <a:bodyPr wrap="square">
+            <a:spAutoFit/>
+          </a:bodyPr>
+          <a:lstStyle/>
+          <a:p>
+            <a:pPr algn="l" rtl="0"/>
+            <a:r>
+              <a:rPr lang="en-US" sz="2400" b="1" dirty="0" smtClean="0">
+                <a:solidFill>
+                  <a:schemeClr val="accent1"/>
+                </a:solidFill>
+                <a:latin typeface="Times New Roman" panose="02020603050405020304" pitchFamily="18" charset="0"/>
+                <a:cs typeface="Times New Roman" panose="02020603050405020304" pitchFamily="18" charset="0"/>
+              </a:rPr>
+              <a:t>7.6.1	</a:t>
+            </a:r>
+            <a:r>
+              <a:rPr lang="en-US" sz="2400" b="1" dirty="0" smtClean="0">
+                <a:solidFill>
+                  <a:schemeClr val="accent1"/>
+                </a:solidFill>
+                <a:latin typeface="Times New Roman" panose="02020603050405020304" pitchFamily="18" charset="0"/>
+                <a:cs typeface="Times New Roman" panose="02020603050405020304" pitchFamily="18" charset="0"/>
+              </a:rPr>
+              <a:t>x_y_location_top </a:t>
+            </a:r>
+            <a:r>
+              <a:rPr lang="en-US" sz="2400" b="1" dirty="0" smtClean="0">
+                <a:solidFill>
+                  <a:schemeClr val="accent1"/>
+                </a:solidFill>
+                <a:latin typeface="Times New Roman" panose="02020603050405020304" pitchFamily="18" charset="0"/>
+                <a:cs typeface="Times New Roman" panose="02020603050405020304" pitchFamily="18" charset="0"/>
+              </a:rPr>
+              <a:t>block </a:t>
+            </a:r>
+            <a:r>
+              <a:rPr lang="en-US" sz="2400" b="1" dirty="0">
+                <a:solidFill>
+                  <a:schemeClr val="accent1"/>
+                </a:solidFill>
+                <a:latin typeface="Times New Roman" panose="02020603050405020304" pitchFamily="18" charset="0"/>
+                <a:cs typeface="Times New Roman" panose="02020603050405020304" pitchFamily="18" charset="0"/>
+              </a:rPr>
+              <a:t>inner implementation</a:t>
+            </a:r>
+            <a:endParaRPr lang="he-IL" sz="2400" dirty="0">
+              <a:solidFill>
+                <a:schemeClr val="accent1"/>
+              </a:solidFill>
+            </a:endParaRPr>
+          </a:p>
+        </p:txBody>
+      </p:sp>
+      <p:pic>
+        <p:nvPicPr>
+          <p:cNvPr id="5" name="תמונה 4"/>
+          <p:cNvPicPr>
+            <a:picLocks noChangeAspect="1"/>
+          </p:cNvPicPr>
+          <p:nvPr/>
+        </p:nvPicPr>
+        <p:blipFill>
+          <a:blip r:embed="rId2">
+            <a:extLst>
+              <a:ext uri="{28A0092B-C50C-407E-A947-70E740481C1C}">
+                <a14:useLocalDpi xmlns:a14="http://schemas.microsoft.com/office/drawing/2010/main" val="0"/>
+              </a:ext>
+            </a:extLst>
+          </a:blip>
+          <a:stretch>
+            <a:fillRect/>
+          </a:stretch>
+        </p:blipFill>
+        <p:spPr>
+          <a:xfrm>
+            <a:off x="748800" y="3398400"/>
+            <a:ext cx="8767469" cy="2415804"/>
+          </a:xfrm>
+          <a:prstGeom prst="rect">
+            <a:avLst/>
+          </a:prstGeom>
+        </p:spPr>
+      </p:pic>
+      <p:sp>
+        <p:nvSpPr>
+          <p:cNvPr id="6" name="מלבן 5"/>
+          <p:cNvSpPr/>
+          <p:nvPr/>
+        </p:nvSpPr>
+        <p:spPr>
+          <a:xfrm>
+            <a:off x="1609507" y="6106272"/>
+            <a:ext cx="4824334" cy="338554"/>
+          </a:xfrm>
+          <a:prstGeom prst="rect">
+            <a:avLst/>
+          </a:prstGeom>
+        </p:spPr>
+        <p:txBody>
+          <a:bodyPr wrap="none">
+            <a:spAutoFit/>
+          </a:bodyPr>
+          <a:lstStyle/>
+          <a:p>
+            <a:pPr algn="ctr" rtl="0">
+              <a:spcAft>
+                <a:spcPts val="1000"/>
+              </a:spcAft>
+            </a:pPr>
+            <a:r>
+              <a:rPr lang="en-US" sz="1600" b="1" dirty="0">
+                <a:solidFill>
+                  <a:schemeClr val="accent1"/>
+                </a:solidFill>
+                <a:latin typeface="Times New Roman" panose="02020603050405020304" pitchFamily="18" charset="0"/>
+                <a:ea typeface="Times New Roman" panose="02020603050405020304" pitchFamily="18" charset="0"/>
+                <a:cs typeface="Arial" panose="020B0604020202020204" pitchFamily="34" charset="0"/>
+              </a:rPr>
+              <a:t>Figure </a:t>
+            </a:r>
+            <a:r>
+              <a:rPr lang="en-US" sz="1600" b="1" dirty="0" smtClean="0">
+                <a:solidFill>
+                  <a:schemeClr val="accent1"/>
+                </a:solidFill>
+                <a:latin typeface="Times New Roman" panose="02020603050405020304" pitchFamily="18" charset="0"/>
+                <a:ea typeface="Times New Roman" panose="02020603050405020304" pitchFamily="18" charset="0"/>
+                <a:cs typeface="Arial" panose="020B0604020202020204" pitchFamily="34" charset="0"/>
+              </a:rPr>
+              <a:t>12.1 – </a:t>
+            </a:r>
+            <a:r>
+              <a:rPr lang="en-US" sz="1600" b="1" dirty="0" smtClean="0">
+                <a:solidFill>
+                  <a:schemeClr val="accent1"/>
+                </a:solidFill>
+                <a:latin typeface="Times New Roman" panose="02020603050405020304" pitchFamily="18" charset="0"/>
+                <a:ea typeface="Times New Roman" panose="02020603050405020304" pitchFamily="18" charset="0"/>
+                <a:cs typeface="Arial" panose="020B0604020202020204" pitchFamily="34" charset="0"/>
+              </a:rPr>
+              <a:t>x_y_location_top </a:t>
+            </a:r>
+            <a:r>
+              <a:rPr lang="en-US" sz="1600" b="1" dirty="0" smtClean="0">
+                <a:solidFill>
+                  <a:schemeClr val="accent1"/>
+                </a:solidFill>
+                <a:latin typeface="Times New Roman" panose="02020603050405020304" pitchFamily="18" charset="0"/>
+                <a:ea typeface="Times New Roman" panose="02020603050405020304" pitchFamily="18" charset="0"/>
+                <a:cs typeface="Arial" panose="020B0604020202020204" pitchFamily="34" charset="0"/>
+              </a:rPr>
+              <a:t>inner implementation</a:t>
+            </a:r>
+            <a:endParaRPr lang="en-US" sz="1600" b="1" dirty="0">
+              <a:solidFill>
+                <a:schemeClr val="accent1"/>
+              </a:solidFill>
+              <a:effectLst/>
+              <a:latin typeface="Times New Roman" panose="02020603050405020304" pitchFamily="18" charset="0"/>
+              <a:ea typeface="Times New Roman" panose="02020603050405020304" pitchFamily="18" charset="0"/>
+              <a:cs typeface="Arial" panose="020B0604020202020204" pitchFamily="34" charset="0"/>
+            </a:endParaRPr>
+          </a:p>
+        </p:txBody>
+      </p:sp>
+      <p:sp>
+        <p:nvSpPr>
+          <p:cNvPr id="7" name="Rectangle 3"/>
+          <p:cNvSpPr>
+            <a:spLocks noChangeArrowheads="1"/>
+          </p:cNvSpPr>
+          <p:nvPr/>
+        </p:nvSpPr>
+        <p:spPr bwMode="auto">
+          <a:xfrm>
+            <a:off x="505326" y="1260000"/>
+            <a:ext cx="7026282" cy="707886"/>
+          </a:xfrm>
+          <a:prstGeom prst="rect">
+            <a:avLst/>
+          </a:prstGeom>
+          <a:noFill/>
+          <a:ln>
+            <a:noFill/>
+          </a:ln>
+          <a:effectLst/>
+          <a:extLst>
+            <a:ext uri="{909E8E84-426E-40DD-AFC4-6F175D3DCCD1}">
+              <a14:hiddenFill xmlns:a14="http://schemas.microsoft.com/office/drawing/2010/main">
+                <a:solidFill>
+                  <a:schemeClr val="accent1"/>
+                </a:solidFill>
+              </a14:hiddenFill>
+            </a:ext>
+            <a:ext uri="{91240B29-F687-4F45-9708-019B960494DF}">
+              <a14:hiddenLine xmlns:a14="http://schemas.microsoft.com/office/drawing/2010/main" w="9525">
+                <a:solidFill>
+                  <a:schemeClr val="tx1"/>
+                </a:solidFill>
+                <a:miter lim="800000"/>
+                <a:headEnd/>
+                <a:tailEnd/>
+              </a14:hiddenLine>
+            </a:ext>
+            <a:ext uri="{AF507438-7753-43E0-B8FC-AC1667EBCBE1}">
+              <a14:hiddenEffects xmlns:a14="http://schemas.microsoft.com/office/drawing/2010/main">
+                <a:effectLst>
+                  <a:outerShdw dist="35921" dir="2700000" algn="ctr" rotWithShape="0">
+                    <a:schemeClr val="bg2"/>
+                  </a:outerShdw>
+                </a:effectLst>
+              </a14:hiddenEffects>
+            </a:ext>
+          </a:extLst>
+        </p:spPr>
+        <p:txBody>
+          <a:bodyPr vert="horz" wrap="none" lIns="91440" tIns="45720" rIns="91440" bIns="45720" numCol="1" anchor="ctr" anchorCtr="0" compatLnSpc="1">
+            <a:prstTxWarp prst="textNoShape">
+              <a:avLst/>
+            </a:prstTxWarp>
+            <a:spAutoFit/>
+          </a:bodyPr>
+          <a:lstStyle/>
+          <a:p>
+            <a:pPr marL="0" marR="0" lvl="0" indent="0" algn="l" defTabSz="914400" rtl="0" eaLnBrk="0" fontAlgn="base" latinLnBrk="0" hangingPunct="0">
+              <a:lnSpc>
+                <a:spcPct val="100000"/>
+              </a:lnSpc>
+              <a:spcBef>
+                <a:spcPct val="0"/>
+              </a:spcBef>
+              <a:spcAft>
+                <a:spcPct val="0"/>
+              </a:spcAft>
+              <a:buClrTx/>
+              <a:buSzTx/>
+              <a:buFontTx/>
+              <a:buNone/>
+              <a:tabLst/>
+            </a:pPr>
+            <a:r>
+              <a:rPr kumimoji="0" lang="en-US" altLang="he-IL" sz="2000" b="0" i="0" u="none" strike="noStrike" cap="none" normalizeH="0" dirty="0" smtClean="0">
+                <a:ln>
+                  <a:noFill/>
+                </a:ln>
+                <a:solidFill>
+                  <a:schemeClr val="tx1"/>
+                </a:solidFill>
+                <a:effectLst/>
+                <a:latin typeface="Times New Roman" panose="02020603050405020304" pitchFamily="18" charset="0"/>
+                <a:ea typeface="Times New Roman" panose="02020603050405020304" pitchFamily="18" charset="0"/>
+                <a:cs typeface="Times New Roman" panose="02020603050405020304" pitchFamily="18" charset="0"/>
+              </a:rPr>
+              <a:t>The following diagram </a:t>
+            </a:r>
+            <a:r>
+              <a:rPr kumimoji="0" lang="en-US" altLang="he-IL" sz="2000" b="0" i="0" u="none" strike="noStrike" cap="none" normalizeH="0" dirty="0" smtClean="0">
+                <a:ln>
+                  <a:noFill/>
+                </a:ln>
+                <a:solidFill>
+                  <a:schemeClr val="tx1"/>
+                </a:solidFill>
+                <a:effectLst/>
+                <a:latin typeface="Times New Roman" panose="02020603050405020304" pitchFamily="18" charset="0"/>
+              </a:rPr>
+              <a:t>represent the block's inner implementation.</a:t>
+            </a:r>
+          </a:p>
+          <a:p>
+            <a:pPr algn="l" rtl="0" eaLnBrk="0" fontAlgn="base" hangingPunct="0">
+              <a:spcBef>
+                <a:spcPct val="0"/>
+              </a:spcBef>
+              <a:spcAft>
+                <a:spcPct val="0"/>
+              </a:spcAft>
+            </a:pPr>
+            <a:endParaRPr lang="en-US" altLang="he-IL" sz="2000" dirty="0">
+              <a:latin typeface="Times New Roman" panose="02020603050405020304" pitchFamily="18" charset="0"/>
+            </a:endParaRPr>
+          </a:p>
+        </p:txBody>
+      </p:sp>
+      <p:sp>
+        <p:nvSpPr>
+          <p:cNvPr id="8" name="מלבן 7"/>
+          <p:cNvSpPr/>
+          <p:nvPr/>
+        </p:nvSpPr>
+        <p:spPr>
+          <a:xfrm>
+            <a:off x="505326" y="1653733"/>
+            <a:ext cx="7026282" cy="1387367"/>
+          </a:xfrm>
+          <a:prstGeom prst="rect">
+            <a:avLst/>
+          </a:prstGeom>
+        </p:spPr>
+        <p:txBody>
+          <a:bodyPr wrap="square">
+            <a:spAutoFit/>
+          </a:bodyPr>
+          <a:lstStyle/>
+          <a:p>
+            <a:pPr algn="l" rtl="0">
+              <a:lnSpc>
+                <a:spcPct val="107000"/>
+              </a:lnSpc>
+              <a:spcAft>
+                <a:spcPts val="800"/>
+              </a:spcAft>
+            </a:pPr>
+            <a:r>
+              <a:rPr lang="en-US" sz="2000" dirty="0">
+                <a:latin typeface="Times New Roman" panose="02020603050405020304" pitchFamily="18" charset="0"/>
+                <a:ea typeface="Times New Roman" panose="02020603050405020304" pitchFamily="18" charset="0"/>
+                <a:cs typeface="Arial" panose="020B0604020202020204" pitchFamily="34" charset="0"/>
+              </a:rPr>
+              <a:t>This block </a:t>
+            </a:r>
+            <a:r>
+              <a:rPr lang="en-US" sz="2000" dirty="0" smtClean="0">
+                <a:latin typeface="Times New Roman" panose="02020603050405020304" pitchFamily="18" charset="0"/>
+                <a:ea typeface="Times New Roman" panose="02020603050405020304" pitchFamily="18" charset="0"/>
+                <a:cs typeface="Arial" panose="020B0604020202020204" pitchFamily="34" charset="0"/>
+              </a:rPr>
+              <a:t>consists of 2 </a:t>
+            </a:r>
+            <a:r>
+              <a:rPr lang="en-US" sz="2000" dirty="0">
+                <a:latin typeface="Times New Roman" panose="02020603050405020304" pitchFamily="18" charset="0"/>
+                <a:ea typeface="Times New Roman" panose="02020603050405020304" pitchFamily="18" charset="0"/>
+                <a:cs typeface="Arial" panose="020B0604020202020204" pitchFamily="34" charset="0"/>
+              </a:rPr>
+              <a:t>building blocks: x_y_location block and update upon vsync block. The first is used to determine and hold the cursor location due to buttons presses, and the second is used to update the location, only upon vsync signal arrival.</a:t>
+            </a:r>
+            <a:endParaRPr lang="en-US" sz="2000" dirty="0">
+              <a:effectLst/>
+              <a:latin typeface="Times New Roman" panose="02020603050405020304" pitchFamily="18" charset="0"/>
+              <a:ea typeface="Times New Roman" panose="02020603050405020304" pitchFamily="18" charset="0"/>
+              <a:cs typeface="Arial" panose="020B0604020202020204" pitchFamily="34" charset="0"/>
+            </a:endParaRPr>
+          </a:p>
+        </p:txBody>
+      </p:sp>
+    </p:spTree>
+    <p:extLst>
+      <p:ext uri="{BB962C8B-B14F-4D97-AF65-F5344CB8AC3E}">
+        <p14:creationId xmlns:p14="http://schemas.microsoft.com/office/powerpoint/2010/main" val="1517811163"/>
+      </p:ext>
+    </p:extLst>
+  </p:cSld>
+  <p:clrMapOvr>
+    <a:masterClrMapping/>
+  </p:clrMapOvr>
+  <p:timing>
+    <p:tnLst>
+      <p:par>
+        <p:cTn id="1" dur="indefinite" restart="never" nodeType="tmRoot"/>
+      </p:par>
+    </p:tnLst>
+  </p:timing>
+</p:sld>
+</file>
+
+<file path=ppt/slides/slide23.xml><?xml version="1.0" encoding="utf-8"?>
+<p:sld xmlns:a="http://schemas.openxmlformats.org/drawingml/2006/main" xmlns:r="http://schemas.openxmlformats.org/officeDocument/2006/relationships" xmlns:p="http://schemas.openxmlformats.org/presentationml/2006/main">
+  <p:cSld>
+    <p:spTree>
+      <p:nvGrpSpPr>
+        <p:cNvPr id="1" name=""/>
+        <p:cNvGrpSpPr/>
+        <p:nvPr/>
+      </p:nvGrpSpPr>
+      <p:grpSpPr>
+        <a:xfrm>
+          <a:off x="0" y="0"/>
+          <a:ext cx="0" cy="0"/>
+          <a:chOff x="0" y="0"/>
+          <a:chExt cx="0" cy="0"/>
+        </a:xfrm>
+      </p:grpSpPr>
       <p:sp>
         <p:nvSpPr>
           <p:cNvPr id="4" name="מלבן 3"/>
@@ -18798,8 +19420,8 @@
         </p:nvSpPr>
         <p:spPr>
           <a:xfrm>
-            <a:off x="3478939" y="4688509"/>
-            <a:ext cx="3148106" cy="338554"/>
+            <a:off x="3647254" y="4688509"/>
+            <a:ext cx="2811475" cy="338554"/>
           </a:xfrm>
           <a:prstGeom prst="rect">
             <a:avLst/>
@@ -18869,18 +19491,7 @@
                 <a:ea typeface="Times New Roman" panose="02020603050405020304" pitchFamily="18" charset="0"/>
                 <a:cs typeface="Arial" panose="020B0604020202020204" pitchFamily="34" charset="0"/>
               </a:rPr>
-              <a:t>ocation </a:t>
-            </a:r>
-            <a:r>
-              <a:rPr lang="en-US" sz="1600" b="1" dirty="0" smtClean="0">
-                <a:solidFill>
-                  <a:schemeClr val="accent1"/>
-                </a:solidFill>
-                <a:latin typeface="Times New Roman" panose="02020603050405020304" pitchFamily="18" charset="0"/>
-                <a:ea typeface="Times New Roman" panose="02020603050405020304" pitchFamily="18" charset="0"/>
-                <a:cs typeface="Arial" panose="020B0604020202020204" pitchFamily="34" charset="0"/>
-              </a:rPr>
-              <a:t>top block</a:t>
+              <a:t>ocation block</a:t>
             </a:r>
             <a:endParaRPr lang="en-US" sz="1600" b="1" dirty="0">
               <a:solidFill>
@@ -18903,7 +19514,7 @@
         <p:spPr>
           <a:xfrm>
             <a:off x="504000" y="1260000"/>
-            <a:ext cx="4014497" cy="400110"/>
+            <a:ext cx="3591048" cy="400110"/>
           </a:xfrm>
           <a:prstGeom prst="rect">
             <a:avLst/>
@@ -18926,7 +19537,7 @@
               <a:rPr lang="en-US" sz="2000" dirty="0" smtClean="0">
                 <a:latin typeface="Times New Roman" panose="02020603050405020304" pitchFamily="18" charset="0"/>
               </a:rPr>
-              <a:t>X, Y location top </a:t>
+              <a:t>x_y_location </a:t>
             </a:r>
             <a:r>
               <a:rPr lang="en-US" sz="2000" dirty="0">
@@ -18958,7 +19569,7 @@
 </p:sld>
 </file>
 
-<file path=ppt/slides/slide22.xml><?xml version="1.0" encoding="utf-8"?>
+<file path=ppt/slides/slide24.xml><?xml version="1.0" encoding="utf-8"?>
 <p:sld xmlns:a="http://schemas.openxmlformats.org/drawingml/2006/main" xmlns:r="http://schemas.openxmlformats.org/officeDocument/2006/relationships" xmlns:p="http://schemas.openxmlformats.org/presentationml/2006/main">
   <p:cSld>
     <p:spTree>
@@ -19302,7 +19913,7 @@
 </p:sld>
 </file>
 
-<file path=ppt/slides/slide23.xml><?xml version="1.0" encoding="utf-8"?>
+<file path=ppt/slides/slide25.xml><?xml version="1.0" encoding="utf-8"?>
 <p:sld xmlns:a="http://schemas.openxmlformats.org/drawingml/2006/main" xmlns:r="http://schemas.openxmlformats.org/officeDocument/2006/relationships" xmlns:p="http://schemas.openxmlformats.org/presentationml/2006/main">
   <p:cSld>
     <p:spTree>
@@ -19504,7 +20115,7 @@
 </p:sld>
 </file>
 
-<file path=ppt/slides/slide24.xml><?xml version="1.0" encoding="utf-8"?>
+<file path=ppt/slides/slide26.xml><?xml version="1.0" encoding="utf-8"?>
 <p:sld xmlns:a="http://schemas.openxmlformats.org/drawingml/2006/main" xmlns:r="http://schemas.openxmlformats.org/officeDocument/2006/relationships" xmlns:p="http://schemas.openxmlformats.org/presentationml/2006/main">
   <p:cSld>
     <p:spTree>
@@ -19778,7 +20389,7 @@
 </p:sld>
 </file>
 
-<file path=ppt/slides/slide25.xml><?xml version="1.0" encoding="utf-8"?>
+<file path=ppt/slides/slide27.xml><?xml version="1.0" encoding="utf-8"?>
 <p:sld xmlns:a="http://schemas.openxmlformats.org/drawingml/2006/main" xmlns:r="http://schemas.openxmlformats.org/officeDocument/2006/relationships" xmlns:p="http://schemas.openxmlformats.org/presentationml/2006/main">
   <p:cSld>
     <p:spTree>
